--- a/jQuery/Slide/Chapter 6_Effects and animations.pptx
+++ b/jQuery/Slide/Chapter 6_Effects and animations.pptx
@@ -187,6 +187,113 @@
 </p:presentation>
 </file>
 
+<file path=ppt/commentAuthors.xml><?xml version="1.0" encoding="utf-8"?>
+<p:cmAuthorLst xmlns:a="http://schemas.openxmlformats.org/drawingml/2006/main" xmlns:r="http://schemas.openxmlformats.org/officeDocument/2006/relationships" xmlns:p="http://schemas.openxmlformats.org/presentationml/2006/main">
+  <p:cmAuthor id="1" name="Pdviet5073" initials="P" lastIdx="8" clrIdx="0">
+    <p:extLst>
+      <p:ext uri="{19B8F6BF-5375-455C-9EA6-DF929625EA0E}">
+        <p15:presenceInfo xmlns:p15="http://schemas.microsoft.com/office/powerpoint/2012/main" userId="Pdviet5073" providerId="None"/>
+      </p:ext>
+    </p:extLst>
+  </p:cmAuthor>
+</p:cmAuthorLst>
+</file>
+
+<file path=ppt/comments/comment1.xml><?xml version="1.0" encoding="utf-8"?>
+<p:cmLst xmlns:a="http://schemas.openxmlformats.org/drawingml/2006/main" xmlns:r="http://schemas.openxmlformats.org/officeDocument/2006/relationships" xmlns:p="http://schemas.openxmlformats.org/presentationml/2006/main">
+  <p:cm authorId="1" dt="2020-07-10T18:25:18.539" idx="1">
+    <p:pos x="10" y="10"/>
+    <p:text>$("selector").method(  [timing] , [fn callback] ).</p:text>
+    <p:extLst>
+      <p:ext uri="{C676402C-5697-4E1C-873F-D02D1690AC5C}">
+        <p15:threadingInfo xmlns:p15="http://schemas.microsoft.com/office/powerpoint/2012/main" timeZoneBias="-420"/>
+      </p:ext>
+    </p:extLst>
+  </p:cm>
+  <p:cm authorId="1" dt="2020-07-10T18:26:58.485" idx="2">
+    <p:pos x="10" y="106"/>
+    <p:text>callback là chỉ thực thi khi thoả mãn điều kiện, và thực thi sau khi method thực hiện xong</p:text>
+    <p:extLst>
+      <p:ext uri="{C676402C-5697-4E1C-873F-D02D1690AC5C}">
+        <p15:threadingInfo xmlns:p15="http://schemas.microsoft.com/office/powerpoint/2012/main" timeZoneBias="-420">
+          <p15:parentCm authorId="1" idx="1"/>
+        </p15:threadingInfo>
+      </p:ext>
+    </p:extLst>
+  </p:cm>
+  <p:cm authorId="1" dt="2020-07-10T18:27:10.695" idx="3">
+    <p:pos x="10" y="202"/>
+    <p:text>timing truyền vào 1 thời gian</p:text>
+    <p:extLst>
+      <p:ext uri="{C676402C-5697-4E1C-873F-D02D1690AC5C}">
+        <p15:threadingInfo xmlns:p15="http://schemas.microsoft.com/office/powerpoint/2012/main" timeZoneBias="-420">
+          <p15:parentCm authorId="1" idx="1"/>
+        </p15:threadingInfo>
+      </p:ext>
+    </p:extLst>
+  </p:cm>
+  <p:cm authorId="1" dt="2020-07-10T18:30:48.904" idx="4">
+    <p:pos x="106" y="106"/>
+    <p:text>$("selector").fadeTo( [duration], [o] , [fn callback]</p:text>
+    <p:extLst>
+      <p:ext uri="{C676402C-5697-4E1C-873F-D02D1690AC5C}">
+        <p15:threadingInfo xmlns:p15="http://schemas.microsoft.com/office/powerpoint/2012/main" timeZoneBias="-420"/>
+      </p:ext>
+    </p:extLst>
+  </p:cm>
+  <p:cm authorId="1" dt="2020-07-10T18:32:55.334" idx="5">
+    <p:pos x="106" y="202"/>
+    <p:text>[0] : 0-&gt;1 độ mờ 0 ẩn. 1 hiện</p:text>
+    <p:extLst>
+      <p:ext uri="{C676402C-5697-4E1C-873F-D02D1690AC5C}">
+        <p15:threadingInfo xmlns:p15="http://schemas.microsoft.com/office/powerpoint/2012/main" timeZoneBias="-420">
+          <p15:parentCm authorId="1" idx="4"/>
+        </p15:threadingInfo>
+      </p:ext>
+    </p:extLst>
+  </p:cm>
+</p:cmLst>
+</file>
+
+<file path=ppt/comments/comment2.xml><?xml version="1.0" encoding="utf-8"?>
+<p:cmLst xmlns:a="http://schemas.openxmlformats.org/drawingml/2006/main" xmlns:r="http://schemas.openxmlformats.org/officeDocument/2006/relationships" xmlns:p="http://schemas.openxmlformats.org/presentationml/2006/main">
+  <p:cm authorId="1" dt="2020-07-10T18:35:56.536" idx="6">
+    <p:pos x="10" y="10"/>
+    <p:text>setTimeout( [fn] , [timing] ): sau khoảng thời gian thì thực hiện (thực hiện 1 lần)</p:text>
+    <p:extLst>
+      <p:ext uri="{C676402C-5697-4E1C-873F-D02D1690AC5C}">
+        <p15:threadingInfo xmlns:p15="http://schemas.microsoft.com/office/powerpoint/2012/main" timeZoneBias="-420"/>
+      </p:ext>
+    </p:extLst>
+  </p:cm>
+  <p:cm authorId="1" dt="2020-07-10T18:37:44.142" idx="7">
+    <p:pos x="10" y="106"/>
+    <p:text>setInterval( [fn] , [timing] ): sau mỗi khoảng thời gian thì thực hiện (thực hiện n lần)</p:text>
+    <p:extLst>
+      <p:ext uri="{C676402C-5697-4E1C-873F-D02D1690AC5C}">
+        <p15:threadingInfo xmlns:p15="http://schemas.microsoft.com/office/powerpoint/2012/main" timeZoneBias="-420">
+          <p15:parentCm authorId="1" idx="6"/>
+        </p15:threadingInfo>
+      </p:ext>
+    </p:extLst>
+  </p:cm>
+</p:cmLst>
+</file>
+
+<file path=ppt/comments/comment3.xml><?xml version="1.0" encoding="utf-8"?>
+<p:cmLst xmlns:a="http://schemas.openxmlformats.org/drawingml/2006/main" xmlns:r="http://schemas.openxmlformats.org/officeDocument/2006/relationships" xmlns:p="http://schemas.openxmlformats.org/presentationml/2006/main">
+  <p:cm authorId="1" dt="2020-07-10T20:38:56.914" idx="8">
+    <p:pos x="10" y="10"/>
+    <p:text>Animate( {new css) }, [timing] )</p:text>
+    <p:extLst>
+      <p:ext uri="{C676402C-5697-4E1C-873F-D02D1690AC5C}">
+        <p15:threadingInfo xmlns:p15="http://schemas.microsoft.com/office/powerpoint/2012/main" timeZoneBias="-420"/>
+      </p:ext>
+    </p:extLst>
+  </p:cm>
+</p:cmLst>
+</file>
+
 <file path=ppt/notesMasters/notesMaster1.xml><?xml version="1.0" encoding="utf-8"?>
 <p:notesMaster xmlns:a="http://schemas.openxmlformats.org/drawingml/2006/main" xmlns:r="http://schemas.openxmlformats.org/officeDocument/2006/relationships" xmlns:p="http://schemas.openxmlformats.org/presentationml/2006/main">
   <p:cSld>
@@ -270,7 +377,7 @@
             <a:fld id="{524DC8F9-1DCD-4754-A44C-6EBB62BDA97B}" type="datetimeFigureOut">
               <a:rPr lang="en-US" smtClean="0"/>
               <a:pPr/>
-              <a:t>11/26/2019</a:t>
+              <a:t>7/10/2020</a:t>
             </a:fld>
             <a:endParaRPr lang="en-US"/>
           </a:p>
